--- a/prepro_concepts.pptx
+++ b/prepro_concepts.pptx
@@ -210,7 +210,7 @@
             <a:fld id="{3FBF535A-5D01-422B-B33C-D96946B05BB0}" type="datetimeFigureOut">
               <a:rPr lang="en-US" smtClean="0"/>
               <a:pPr/>
-              <a:t>1/10/2022</a:t>
+              <a:t>1/12/2022</a:t>
             </a:fld>
             <a:endParaRPr lang="en-US"/>
           </a:p>
@@ -2095,7 +2095,7 @@
                 </a:solidFill>
                 <a:latin typeface="+mn-lt"/>
               </a:rPr>
-              <a:t>	M1012 </a:t>
+              <a:t>	</a:t>
             </a:r>
             <a:r>
               <a:rPr lang="fr-CH" sz="1200" dirty="0" err="1">
@@ -2106,7 +2106,7 @@
                 </a:solidFill>
                 <a:latin typeface="+mn-lt"/>
               </a:rPr>
-              <a:t>Thielle</a:t>
+              <a:t>Prepro</a:t>
             </a:r>
             <a:r>
               <a:rPr lang="fr-CH" sz="1200" dirty="0">
@@ -2117,7 +2117,7 @@
                 </a:solidFill>
                 <a:latin typeface="+mn-lt"/>
               </a:rPr>
-              <a:t> - MP - février 2018</a:t>
+              <a:t> – MP – Jan 2022</a:t>
             </a:r>
           </a:p>
         </p:txBody>
@@ -2409,998 +2409,36 @@
           <a:chExt cx="0" cy="0"/>
         </a:xfrm>
       </p:grpSpPr>
-      <p:graphicFrame>
-        <p:nvGraphicFramePr>
-          <p:cNvPr id="6" name="Table 5"/>
-          <p:cNvGraphicFramePr>
-            <a:graphicFrameLocks noGrp="1"/>
-          </p:cNvGraphicFramePr>
-          <p:nvPr>
-            <p:extLst>
-              <p:ext uri="{D42A27DB-BD31-4B8C-83A1-F6EECF244321}">
-                <p14:modId xmlns:p14="http://schemas.microsoft.com/office/powerpoint/2010/main" val="3231955609"/>
-              </p:ext>
-            </p:extLst>
-          </p:nvPr>
-        </p:nvGraphicFramePr>
-        <p:xfrm>
-          <a:off x="5148064" y="2276872"/>
-          <a:ext cx="3744416" cy="2497526"/>
-        </p:xfrm>
-        <a:graphic>
-          <a:graphicData uri="http://schemas.openxmlformats.org/drawingml/2006/table">
-            <a:tbl>
-              <a:tblPr firstRow="1" bandRow="1">
-                <a:tableStyleId>{5C22544A-7EE6-4342-B048-85BDC9FD1C3A}</a:tableStyleId>
-              </a:tblPr>
-              <a:tblGrid>
-                <a:gridCol w="1328936">
-                  <a:extLst>
-                    <a:ext uri="{9D8B030D-6E8A-4147-A177-3AD203B41FA5}">
-                      <a16:colId xmlns:a16="http://schemas.microsoft.com/office/drawing/2014/main" val="20000"/>
-                    </a:ext>
-                  </a:extLst>
-                </a:gridCol>
-                <a:gridCol w="2415480">
-                  <a:extLst>
-                    <a:ext uri="{9D8B030D-6E8A-4147-A177-3AD203B41FA5}">
-                      <a16:colId xmlns:a16="http://schemas.microsoft.com/office/drawing/2014/main" val="20001"/>
-                    </a:ext>
-                  </a:extLst>
-                </a:gridCol>
-              </a:tblGrid>
-              <a:tr h="288032">
-                <a:tc>
-                  <a:txBody>
-                    <a:bodyPr/>
-                    <a:lstStyle/>
-                    <a:p>
-                      <a:pPr marL="0" marR="0" indent="0" algn="l" defTabSz="914400" rtl="0" eaLnBrk="1" fontAlgn="auto" latinLnBrk="0" hangingPunct="1">
-                        <a:lnSpc>
-                          <a:spcPct val="100000"/>
-                        </a:lnSpc>
-                        <a:spcBef>
-                          <a:spcPts val="0"/>
-                        </a:spcBef>
-                        <a:spcAft>
-                          <a:spcPts val="0"/>
-                        </a:spcAft>
-                        <a:buClrTx/>
-                        <a:buSzTx/>
-                        <a:buFontTx/>
-                        <a:buNone/>
-                        <a:tabLst/>
-                        <a:defRPr/>
-                      </a:pPr>
-                      <a:r>
-                        <a:rPr lang="fr-CH" sz="1200" b="0" kern="1200" dirty="0">
-                          <a:solidFill>
-                            <a:schemeClr val="tx1"/>
-                          </a:solidFill>
-                          <a:latin typeface="+mn-lt"/>
-                          <a:ea typeface="+mn-ea"/>
-                          <a:cs typeface="+mn-cs"/>
-                        </a:rPr>
-                        <a:t>Version	:</a:t>
-                      </a:r>
-                    </a:p>
-                  </a:txBody>
-                  <a:tcPr marL="72000" marR="72000" marT="36000" marB="36000">
-                    <a:noFill/>
-                  </a:tcPr>
-                </a:tc>
-                <a:tc>
-                  <a:txBody>
-                    <a:bodyPr/>
-                    <a:lstStyle/>
-                    <a:p>
-                      <a:r>
-                        <a:rPr lang="fr-CH" sz="1200" b="0" dirty="0">
-                          <a:solidFill>
-                            <a:schemeClr val="tx1"/>
-                          </a:solidFill>
-                        </a:rPr>
-                        <a:t>1</a:t>
-                      </a:r>
-                      <a:endParaRPr lang="en-GB" sz="1200" b="0" dirty="0">
-                        <a:solidFill>
-                          <a:schemeClr val="tx1"/>
-                        </a:solidFill>
-                      </a:endParaRPr>
-                    </a:p>
-                  </a:txBody>
-                  <a:tcPr marL="72000" marR="72000" marT="36000" marB="36000">
-                    <a:noFill/>
-                  </a:tcPr>
-                </a:tc>
-                <a:extLst>
-                  <a:ext uri="{0D108BD9-81ED-4DB2-BD59-A6C34878D82A}">
-                    <a16:rowId xmlns:a16="http://schemas.microsoft.com/office/drawing/2014/main" val="10000"/>
-                  </a:ext>
-                </a:extLst>
-              </a:tr>
-              <a:tr h="374338">
-                <a:tc>
-                  <a:txBody>
-                    <a:bodyPr/>
-                    <a:lstStyle/>
-                    <a:p>
-                      <a:pPr marL="0" marR="0" indent="0" algn="l" defTabSz="914400" rtl="0" eaLnBrk="1" fontAlgn="auto" latinLnBrk="0" hangingPunct="1">
-                        <a:lnSpc>
-                          <a:spcPct val="100000"/>
-                        </a:lnSpc>
-                        <a:spcBef>
-                          <a:spcPts val="0"/>
-                        </a:spcBef>
-                        <a:spcAft>
-                          <a:spcPts val="0"/>
-                        </a:spcAft>
-                        <a:buClrTx/>
-                        <a:buSzTx/>
-                        <a:buFontTx/>
-                        <a:buNone/>
-                        <a:tabLst/>
-                        <a:defRPr/>
-                      </a:pPr>
-                      <a:r>
-                        <a:rPr lang="fr-CH" sz="1200" kern="1200" dirty="0">
-                          <a:solidFill>
-                            <a:schemeClr val="tx1"/>
-                          </a:solidFill>
-                          <a:latin typeface="+mn-lt"/>
-                          <a:ea typeface="+mn-ea"/>
-                          <a:cs typeface="+mn-cs"/>
-                        </a:rPr>
-                        <a:t>Auteur	:</a:t>
-                      </a:r>
-                      <a:endParaRPr lang="en-GB" sz="1200" kern="1200" dirty="0">
-                        <a:solidFill>
-                          <a:schemeClr val="tx1"/>
-                        </a:solidFill>
-                        <a:latin typeface="+mn-lt"/>
-                        <a:ea typeface="+mn-ea"/>
-                        <a:cs typeface="+mn-cs"/>
-                      </a:endParaRPr>
-                    </a:p>
-                  </a:txBody>
-                  <a:tcPr marL="72000" marR="72000" marT="36000" marB="36000">
-                    <a:noFill/>
-                  </a:tcPr>
-                </a:tc>
-                <a:tc>
-                  <a:txBody>
-                    <a:bodyPr/>
-                    <a:lstStyle/>
-                    <a:p>
-                      <a:r>
-                        <a:rPr lang="fr-CH" sz="1200" b="0" dirty="0">
-                          <a:solidFill>
-                            <a:schemeClr val="tx1"/>
-                          </a:solidFill>
-                        </a:rPr>
-                        <a:t>M. </a:t>
-                      </a:r>
-                      <a:r>
-                        <a:rPr lang="fr-CH" sz="1200" b="0" dirty="0" err="1">
-                          <a:solidFill>
-                            <a:schemeClr val="tx1"/>
-                          </a:solidFill>
-                        </a:rPr>
-                        <a:t>Preisig</a:t>
-                      </a:r>
-                      <a:endParaRPr lang="fr-CH" sz="1200" b="0" dirty="0">
-                        <a:solidFill>
-                          <a:schemeClr val="tx1"/>
-                        </a:solidFill>
-                      </a:endParaRPr>
-                    </a:p>
-                  </a:txBody>
-                  <a:tcPr marL="72000" marR="72000" marT="36000" marB="36000">
-                    <a:noFill/>
-                  </a:tcPr>
-                </a:tc>
-                <a:extLst>
-                  <a:ext uri="{0D108BD9-81ED-4DB2-BD59-A6C34878D82A}">
-                    <a16:rowId xmlns:a16="http://schemas.microsoft.com/office/drawing/2014/main" val="10001"/>
-                  </a:ext>
-                </a:extLst>
-              </a:tr>
-              <a:tr h="303629">
-                <a:tc>
-                  <a:txBody>
-                    <a:bodyPr/>
-                    <a:lstStyle/>
-                    <a:p>
-                      <a:pPr marL="0" marR="0" indent="0" algn="l" defTabSz="914400" rtl="0" eaLnBrk="1" fontAlgn="auto" latinLnBrk="0" hangingPunct="1">
-                        <a:lnSpc>
-                          <a:spcPct val="100000"/>
-                        </a:lnSpc>
-                        <a:spcBef>
-                          <a:spcPts val="0"/>
-                        </a:spcBef>
-                        <a:spcAft>
-                          <a:spcPts val="0"/>
-                        </a:spcAft>
-                        <a:buClrTx/>
-                        <a:buSzTx/>
-                        <a:buFontTx/>
-                        <a:buNone/>
-                        <a:tabLst/>
-                        <a:defRPr/>
-                      </a:pPr>
-                      <a:r>
-                        <a:rPr lang="fr-CH" sz="1200" kern="1200" dirty="0">
-                          <a:solidFill>
-                            <a:schemeClr val="tx1"/>
-                          </a:solidFill>
-                          <a:latin typeface="+mn-lt"/>
-                          <a:ea typeface="+mn-ea"/>
-                          <a:cs typeface="+mn-cs"/>
-                        </a:rPr>
-                        <a:t>Visa	:</a:t>
-                      </a:r>
-                    </a:p>
-                  </a:txBody>
-                  <a:tcPr marL="72000" marR="72000" marT="36000" marB="36000">
-                    <a:noFill/>
-                  </a:tcPr>
-                </a:tc>
-                <a:tc>
-                  <a:txBody>
-                    <a:bodyPr/>
-                    <a:lstStyle/>
-                    <a:p>
-                      <a:endParaRPr lang="fr-CH" sz="1200" b="0" dirty="0">
-                        <a:solidFill>
-                          <a:schemeClr val="tx1"/>
-                        </a:solidFill>
-                      </a:endParaRPr>
-                    </a:p>
-                    <a:p>
-                      <a:endParaRPr lang="fr-CH" sz="1200" b="0" dirty="0">
-                        <a:solidFill>
-                          <a:schemeClr val="tx1"/>
-                        </a:solidFill>
-                      </a:endParaRPr>
-                    </a:p>
-                    <a:p>
-                      <a:endParaRPr lang="en-GB" sz="1200" b="0" dirty="0">
-                        <a:solidFill>
-                          <a:schemeClr val="tx1"/>
-                        </a:solidFill>
-                      </a:endParaRPr>
-                    </a:p>
-                  </a:txBody>
-                  <a:tcPr marL="72000" marR="72000" marT="36000" marB="36000">
-                    <a:noFill/>
-                  </a:tcPr>
-                </a:tc>
-                <a:extLst>
-                  <a:ext uri="{0D108BD9-81ED-4DB2-BD59-A6C34878D82A}">
-                    <a16:rowId xmlns:a16="http://schemas.microsoft.com/office/drawing/2014/main" val="10002"/>
-                  </a:ext>
-                </a:extLst>
-              </a:tr>
-              <a:tr h="303629">
-                <a:tc>
-                  <a:txBody>
-                    <a:bodyPr/>
-                    <a:lstStyle/>
-                    <a:p>
-                      <a:pPr marL="0" marR="0" indent="0" algn="l" defTabSz="914400" rtl="0" eaLnBrk="1" fontAlgn="auto" latinLnBrk="0" hangingPunct="1">
-                        <a:lnSpc>
-                          <a:spcPct val="100000"/>
-                        </a:lnSpc>
-                        <a:spcBef>
-                          <a:spcPts val="0"/>
-                        </a:spcBef>
-                        <a:spcAft>
-                          <a:spcPts val="0"/>
-                        </a:spcAft>
-                        <a:buClrTx/>
-                        <a:buSzTx/>
-                        <a:buFontTx/>
-                        <a:buNone/>
-                        <a:tabLst/>
-                        <a:defRPr/>
-                      </a:pPr>
-                      <a:r>
-                        <a:rPr lang="fr-CH" sz="1200" kern="1200" dirty="0">
-                          <a:solidFill>
-                            <a:schemeClr val="tx1"/>
-                          </a:solidFill>
-                          <a:latin typeface="+mn-lt"/>
-                          <a:ea typeface="+mn-ea"/>
-                          <a:cs typeface="+mn-cs"/>
-                        </a:rPr>
-                        <a:t>Collaboration	:</a:t>
-                      </a:r>
-                    </a:p>
-                  </a:txBody>
-                  <a:tcPr marL="72000" marR="72000" marT="36000" marB="36000">
-                    <a:noFill/>
-                  </a:tcPr>
-                </a:tc>
-                <a:tc>
-                  <a:txBody>
-                    <a:bodyPr/>
-                    <a:lstStyle/>
-                    <a:p>
-                      <a:r>
-                        <a:rPr lang="fr-CH" sz="1200" b="0" dirty="0">
-                          <a:solidFill>
-                            <a:schemeClr val="tx1"/>
-                          </a:solidFill>
-                        </a:rPr>
-                        <a:t>P. Schwab</a:t>
-                      </a:r>
-                      <a:endParaRPr lang="en-GB" sz="1200" b="0" dirty="0">
-                        <a:solidFill>
-                          <a:schemeClr val="tx1"/>
-                        </a:solidFill>
-                      </a:endParaRPr>
-                    </a:p>
-                  </a:txBody>
-                  <a:tcPr marL="72000" marR="72000" marT="36000" marB="36000">
-                    <a:noFill/>
-                  </a:tcPr>
-                </a:tc>
-                <a:extLst>
-                  <a:ext uri="{0D108BD9-81ED-4DB2-BD59-A6C34878D82A}">
-                    <a16:rowId xmlns:a16="http://schemas.microsoft.com/office/drawing/2014/main" val="10003"/>
-                  </a:ext>
-                </a:extLst>
-              </a:tr>
-              <a:tr h="303629">
-                <a:tc>
-                  <a:txBody>
-                    <a:bodyPr/>
-                    <a:lstStyle/>
-                    <a:p>
-                      <a:pPr marL="0" marR="0" indent="0" algn="l" defTabSz="914400" rtl="0" eaLnBrk="1" fontAlgn="auto" latinLnBrk="0" hangingPunct="1">
-                        <a:lnSpc>
-                          <a:spcPct val="100000"/>
-                        </a:lnSpc>
-                        <a:spcBef>
-                          <a:spcPts val="0"/>
-                        </a:spcBef>
-                        <a:spcAft>
-                          <a:spcPts val="0"/>
-                        </a:spcAft>
-                        <a:buClrTx/>
-                        <a:buSzTx/>
-                        <a:buFontTx/>
-                        <a:buNone/>
-                        <a:tabLst/>
-                        <a:defRPr/>
-                      </a:pPr>
-                      <a:r>
-                        <a:rPr lang="fr-CH" sz="1200" dirty="0">
-                          <a:solidFill>
-                            <a:schemeClr val="tx1"/>
-                          </a:solidFill>
-                        </a:rPr>
-                        <a:t>Distribution	:</a:t>
-                      </a:r>
-                      <a:endParaRPr lang="fr-CH" sz="1200" kern="1200" dirty="0">
-                        <a:solidFill>
-                          <a:schemeClr val="tx1"/>
-                        </a:solidFill>
-                        <a:latin typeface="+mn-lt"/>
-                        <a:ea typeface="+mn-ea"/>
-                        <a:cs typeface="+mn-cs"/>
-                      </a:endParaRPr>
-                    </a:p>
-                  </a:txBody>
-                  <a:tcPr marL="72000" marR="72000" marT="36000" marB="36000">
-                    <a:noFill/>
-                  </a:tcPr>
-                </a:tc>
-                <a:tc>
-                  <a:txBody>
-                    <a:bodyPr/>
-                    <a:lstStyle/>
-                    <a:p>
-                      <a:r>
-                        <a:rPr lang="en-GB" sz="1200" b="0" i="0" dirty="0">
-                          <a:solidFill>
-                            <a:schemeClr val="tx1"/>
-                          </a:solidFill>
-                        </a:rPr>
-                        <a:t>DCG</a:t>
-                      </a:r>
-                    </a:p>
-                  </a:txBody>
-                  <a:tcPr marL="72000" marR="72000" marT="36000" marB="36000">
-                    <a:noFill/>
-                  </a:tcPr>
-                </a:tc>
-                <a:extLst>
-                  <a:ext uri="{0D108BD9-81ED-4DB2-BD59-A6C34878D82A}">
-                    <a16:rowId xmlns:a16="http://schemas.microsoft.com/office/drawing/2014/main" val="10004"/>
-                  </a:ext>
-                </a:extLst>
-              </a:tr>
-              <a:tr h="303629">
-                <a:tc>
-                  <a:txBody>
-                    <a:bodyPr/>
-                    <a:lstStyle/>
-                    <a:p>
-                      <a:pPr marL="0" marR="0" indent="0" algn="l" defTabSz="914400" rtl="0" eaLnBrk="1" fontAlgn="auto" latinLnBrk="0" hangingPunct="1">
-                        <a:lnSpc>
-                          <a:spcPct val="100000"/>
-                        </a:lnSpc>
-                        <a:spcBef>
-                          <a:spcPts val="0"/>
-                        </a:spcBef>
-                        <a:spcAft>
-                          <a:spcPts val="0"/>
-                        </a:spcAft>
-                        <a:buClrTx/>
-                        <a:buSzTx/>
-                        <a:buFontTx/>
-                        <a:buNone/>
-                        <a:tabLst/>
-                        <a:defRPr/>
-                      </a:pPr>
-                      <a:r>
-                        <a:rPr lang="fr-CH" sz="1200" dirty="0">
-                          <a:solidFill>
-                            <a:schemeClr val="tx1"/>
-                          </a:solidFill>
-                        </a:rPr>
-                        <a:t>Date	:</a:t>
-                      </a:r>
-                      <a:endParaRPr lang="fr-CH" sz="1200" kern="1200" dirty="0">
-                        <a:solidFill>
-                          <a:schemeClr val="tx1"/>
-                        </a:solidFill>
-                        <a:latin typeface="+mn-lt"/>
-                        <a:ea typeface="+mn-ea"/>
-                        <a:cs typeface="+mn-cs"/>
-                      </a:endParaRPr>
-                    </a:p>
-                  </a:txBody>
-                  <a:tcPr marL="72000" marR="72000" marT="36000" marB="36000">
-                    <a:noFill/>
-                  </a:tcPr>
-                </a:tc>
-                <a:tc>
-                  <a:txBody>
-                    <a:bodyPr/>
-                    <a:lstStyle/>
-                    <a:p>
-                      <a:pPr marL="0" marR="0" indent="0" algn="l" defTabSz="914400" rtl="0" eaLnBrk="1" fontAlgn="auto" latinLnBrk="0" hangingPunct="1">
-                        <a:lnSpc>
-                          <a:spcPct val="100000"/>
-                        </a:lnSpc>
-                        <a:spcBef>
-                          <a:spcPts val="0"/>
-                        </a:spcBef>
-                        <a:spcAft>
-                          <a:spcPts val="0"/>
-                        </a:spcAft>
-                        <a:buClrTx/>
-                        <a:buSzTx/>
-                        <a:buFontTx/>
-                        <a:buNone/>
-                        <a:tabLst/>
-                        <a:defRPr/>
-                      </a:pPr>
-                      <a:r>
-                        <a:rPr lang="fr-CH" sz="1200" b="0" baseline="0" dirty="0">
-                          <a:solidFill>
-                            <a:schemeClr val="tx1"/>
-                          </a:solidFill>
-                        </a:rPr>
-                        <a:t>12 février</a:t>
-                      </a:r>
-                      <a:r>
-                        <a:rPr lang="fr-CH" sz="1200" b="0" dirty="0">
-                          <a:solidFill>
-                            <a:schemeClr val="tx1"/>
-                          </a:solidFill>
-                        </a:rPr>
-                        <a:t> 2018</a:t>
-                      </a:r>
-                      <a:endParaRPr lang="en-GB" sz="1200" b="0" dirty="0">
-                        <a:solidFill>
-                          <a:schemeClr val="tx1"/>
-                        </a:solidFill>
-                      </a:endParaRPr>
-                    </a:p>
-                  </a:txBody>
-                  <a:tcPr marL="72000" marR="72000" marT="36000" marB="36000">
-                    <a:noFill/>
-                  </a:tcPr>
-                </a:tc>
-                <a:extLst>
-                  <a:ext uri="{0D108BD9-81ED-4DB2-BD59-A6C34878D82A}">
-                    <a16:rowId xmlns:a16="http://schemas.microsoft.com/office/drawing/2014/main" val="10005"/>
-                  </a:ext>
-                </a:extLst>
-              </a:tr>
-              <a:tr h="303629">
-                <a:tc>
-                  <a:txBody>
-                    <a:bodyPr/>
-                    <a:lstStyle/>
-                    <a:p>
-                      <a:pPr marL="0" marR="0" indent="0" algn="l" defTabSz="914400" rtl="0" eaLnBrk="1" fontAlgn="auto" latinLnBrk="0" hangingPunct="1">
-                        <a:lnSpc>
-                          <a:spcPct val="100000"/>
-                        </a:lnSpc>
-                        <a:spcBef>
-                          <a:spcPts val="0"/>
-                        </a:spcBef>
-                        <a:spcAft>
-                          <a:spcPts val="0"/>
-                        </a:spcAft>
-                        <a:buClrTx/>
-                        <a:buSzTx/>
-                        <a:buFontTx/>
-                        <a:buNone/>
-                        <a:tabLst/>
-                        <a:defRPr/>
-                      </a:pPr>
-                      <a:r>
-                        <a:rPr lang="fr-CH" sz="1200" dirty="0">
-                          <a:solidFill>
-                            <a:schemeClr val="tx1"/>
-                          </a:solidFill>
-                        </a:rPr>
-                        <a:t>Lieu	:</a:t>
-                      </a:r>
-                      <a:endParaRPr lang="fr-CH" sz="1200" kern="1200" dirty="0">
-                        <a:solidFill>
-                          <a:schemeClr val="tx1"/>
-                        </a:solidFill>
-                        <a:latin typeface="+mn-lt"/>
-                        <a:ea typeface="+mn-ea"/>
-                        <a:cs typeface="+mn-cs"/>
-                      </a:endParaRPr>
-                    </a:p>
-                  </a:txBody>
-                  <a:tcPr marL="72000" marR="72000" marT="36000" marB="36000">
-                    <a:noFill/>
-                  </a:tcPr>
-                </a:tc>
-                <a:tc>
-                  <a:txBody>
-                    <a:bodyPr/>
-                    <a:lstStyle/>
-                    <a:p>
-                      <a:r>
-                        <a:rPr lang="en-GB" sz="1200" b="0" dirty="0">
-                          <a:solidFill>
-                            <a:schemeClr val="tx1"/>
-                          </a:solidFill>
-                        </a:rPr>
-                        <a:t>Zurich</a:t>
-                      </a:r>
-                    </a:p>
-                  </a:txBody>
-                  <a:tcPr marL="72000" marR="72000" marT="36000" marB="36000">
-                    <a:noFill/>
-                  </a:tcPr>
-                </a:tc>
-                <a:extLst>
-                  <a:ext uri="{0D108BD9-81ED-4DB2-BD59-A6C34878D82A}">
-                    <a16:rowId xmlns:a16="http://schemas.microsoft.com/office/drawing/2014/main" val="10006"/>
-                  </a:ext>
-                </a:extLst>
-              </a:tr>
-            </a:tbl>
-          </a:graphicData>
-        </a:graphic>
-      </p:graphicFrame>
-      <p:sp>
-        <p:nvSpPr>
-          <p:cNvPr id="8" name="Rectangle 7"/>
-          <p:cNvSpPr/>
-          <p:nvPr/>
-        </p:nvSpPr>
-        <p:spPr>
-          <a:xfrm>
-            <a:off x="179512" y="188640"/>
-            <a:ext cx="8784976" cy="5832648"/>
-          </a:xfrm>
-          <a:prstGeom prst="rect">
-            <a:avLst/>
-          </a:prstGeom>
-          <a:noFill/>
-          <a:ln w="12700">
-            <a:solidFill>
-              <a:schemeClr val="tx1"/>
-            </a:solidFill>
-          </a:ln>
-        </p:spPr>
-        <p:style>
-          <a:lnRef idx="2">
-            <a:schemeClr val="accent1">
-              <a:shade val="50000"/>
-            </a:schemeClr>
-          </a:lnRef>
-          <a:fillRef idx="1">
-            <a:schemeClr val="accent1"/>
-          </a:fillRef>
-          <a:effectRef idx="0">
-            <a:schemeClr val="accent1"/>
-          </a:effectRef>
-          <a:fontRef idx="minor">
-            <a:schemeClr val="lt1"/>
-          </a:fontRef>
-        </p:style>
-        <p:txBody>
-          <a:bodyPr rtlCol="0" anchor="ctr"/>
-          <a:lstStyle/>
-          <a:p>
-            <a:pPr algn="ctr"/>
-            <a:endParaRPr lang="en-US" dirty="0"/>
-          </a:p>
-        </p:txBody>
-      </p:sp>
-      <p:cxnSp>
-        <p:nvCxnSpPr>
-          <p:cNvPr id="9" name="Straight Connector 8"/>
-          <p:cNvCxnSpPr/>
-          <p:nvPr/>
-        </p:nvCxnSpPr>
-        <p:spPr>
-          <a:xfrm>
-            <a:off x="179512" y="2204864"/>
-            <a:ext cx="8784976" cy="0"/>
-          </a:xfrm>
-          <a:prstGeom prst="line">
-            <a:avLst/>
-          </a:prstGeom>
-          <a:ln w="12700">
-            <a:solidFill>
-              <a:schemeClr val="tx1"/>
-            </a:solidFill>
-          </a:ln>
-        </p:spPr>
-        <p:style>
-          <a:lnRef idx="1">
-            <a:schemeClr val="accent1"/>
-          </a:lnRef>
-          <a:fillRef idx="0">
-            <a:schemeClr val="accent1"/>
-          </a:fillRef>
-          <a:effectRef idx="0">
-            <a:schemeClr val="accent1"/>
-          </a:effectRef>
-          <a:fontRef idx="minor">
-            <a:schemeClr val="tx1"/>
-          </a:fontRef>
-        </p:style>
-      </p:cxnSp>
-      <p:cxnSp>
-        <p:nvCxnSpPr>
-          <p:cNvPr id="10" name="Straight Connector 9"/>
-          <p:cNvCxnSpPr/>
-          <p:nvPr/>
-        </p:nvCxnSpPr>
-        <p:spPr>
-          <a:xfrm>
-            <a:off x="5076056" y="2204864"/>
-            <a:ext cx="0" cy="3816424"/>
-          </a:xfrm>
-          <a:prstGeom prst="line">
-            <a:avLst/>
-          </a:prstGeom>
-          <a:ln>
-            <a:solidFill>
-              <a:schemeClr val="tx1"/>
-            </a:solidFill>
-          </a:ln>
-        </p:spPr>
-        <p:style>
-          <a:lnRef idx="1">
-            <a:schemeClr val="accent1"/>
-          </a:lnRef>
-          <a:fillRef idx="0">
-            <a:schemeClr val="accent1"/>
-          </a:fillRef>
-          <a:effectRef idx="0">
-            <a:schemeClr val="accent1"/>
-          </a:effectRef>
-          <a:fontRef idx="minor">
-            <a:schemeClr val="tx1"/>
-          </a:fontRef>
-        </p:style>
-      </p:cxnSp>
-      <p:graphicFrame>
-        <p:nvGraphicFramePr>
-          <p:cNvPr id="14" name="Table 13"/>
-          <p:cNvGraphicFramePr>
-            <a:graphicFrameLocks noGrp="1"/>
-          </p:cNvGraphicFramePr>
-          <p:nvPr>
-            <p:extLst>
-              <p:ext uri="{D42A27DB-BD31-4B8C-83A1-F6EECF244321}">
-                <p14:modId xmlns:p14="http://schemas.microsoft.com/office/powerpoint/2010/main" val="2588399670"/>
-              </p:ext>
-            </p:extLst>
-          </p:nvPr>
-        </p:nvGraphicFramePr>
-        <p:xfrm>
-          <a:off x="323528" y="620688"/>
-          <a:ext cx="8496944" cy="1493355"/>
-        </p:xfrm>
-        <a:graphic>
-          <a:graphicData uri="http://schemas.openxmlformats.org/drawingml/2006/table">
-            <a:tbl>
-              <a:tblPr firstRow="1" bandRow="1">
-                <a:tableStyleId>{5C22544A-7EE6-4342-B048-85BDC9FD1C3A}</a:tableStyleId>
-              </a:tblPr>
-              <a:tblGrid>
-                <a:gridCol w="2614444">
-                  <a:extLst>
-                    <a:ext uri="{9D8B030D-6E8A-4147-A177-3AD203B41FA5}">
-                      <a16:colId xmlns:a16="http://schemas.microsoft.com/office/drawing/2014/main" val="20000"/>
-                    </a:ext>
-                  </a:extLst>
-                </a:gridCol>
-                <a:gridCol w="5882500">
-                  <a:extLst>
-                    <a:ext uri="{9D8B030D-6E8A-4147-A177-3AD203B41FA5}">
-                      <a16:colId xmlns:a16="http://schemas.microsoft.com/office/drawing/2014/main" val="20001"/>
-                    </a:ext>
-                  </a:extLst>
-                </a:gridCol>
-              </a:tblGrid>
-              <a:tr h="268612">
-                <a:tc>
-                  <a:txBody>
-                    <a:bodyPr/>
-                    <a:lstStyle/>
-                    <a:p>
-                      <a:r>
-                        <a:rPr lang="fr-CH" sz="1400" b="0" dirty="0">
-                          <a:solidFill>
-                            <a:schemeClr val="tx1"/>
-                          </a:solidFill>
-                        </a:rPr>
-                        <a:t>No. Mandat 	:</a:t>
-                      </a:r>
-                    </a:p>
-                  </a:txBody>
-                  <a:tcPr marL="72000" marR="72000" marT="36000" marB="36000">
-                    <a:noFill/>
-                  </a:tcPr>
-                </a:tc>
-                <a:tc>
-                  <a:txBody>
-                    <a:bodyPr/>
-                    <a:lstStyle/>
-                    <a:p>
-                      <a:r>
-                        <a:rPr lang="fr-CH" sz="1400" b="0" dirty="0">
-                          <a:solidFill>
-                            <a:schemeClr val="tx1"/>
-                          </a:solidFill>
-                        </a:rPr>
-                        <a:t>M1012</a:t>
-                      </a:r>
-                    </a:p>
-                  </a:txBody>
-                  <a:tcPr marL="72000" marR="72000" marT="36000" marB="36000">
-                    <a:noFill/>
-                  </a:tcPr>
-                </a:tc>
-                <a:extLst>
-                  <a:ext uri="{0D108BD9-81ED-4DB2-BD59-A6C34878D82A}">
-                    <a16:rowId xmlns:a16="http://schemas.microsoft.com/office/drawing/2014/main" val="10000"/>
-                  </a:ext>
-                </a:extLst>
-              </a:tr>
-              <a:tr h="268612">
-                <a:tc>
-                  <a:txBody>
-                    <a:bodyPr/>
-                    <a:lstStyle/>
-                    <a:p>
-                      <a:r>
-                        <a:rPr lang="fr-CH" sz="1400" dirty="0"/>
-                        <a:t>Mandataire	:</a:t>
-                      </a:r>
-                    </a:p>
-                  </a:txBody>
-                  <a:tcPr marL="72000" marR="72000" marT="36000" marB="36000">
-                    <a:noFill/>
-                  </a:tcPr>
-                </a:tc>
-                <a:tc>
-                  <a:txBody>
-                    <a:bodyPr/>
-                    <a:lstStyle/>
-                    <a:p>
-                      <a:r>
-                        <a:rPr lang="fr-CH" sz="1400" dirty="0"/>
-                        <a:t>DCG</a:t>
-                      </a:r>
-                    </a:p>
-                  </a:txBody>
-                  <a:tcPr marL="72000" marR="72000" marT="36000" marB="36000">
-                    <a:noFill/>
-                  </a:tcPr>
-                </a:tc>
-                <a:extLst>
-                  <a:ext uri="{0D108BD9-81ED-4DB2-BD59-A6C34878D82A}">
-                    <a16:rowId xmlns:a16="http://schemas.microsoft.com/office/drawing/2014/main" val="10001"/>
-                  </a:ext>
-                </a:extLst>
-              </a:tr>
-              <a:tr h="268612">
-                <a:tc>
-                  <a:txBody>
-                    <a:bodyPr/>
-                    <a:lstStyle/>
-                    <a:p>
-                      <a:r>
-                        <a:rPr lang="fr-CH" sz="1400" dirty="0"/>
-                        <a:t>Objet	:</a:t>
-                      </a:r>
-                    </a:p>
-                  </a:txBody>
-                  <a:tcPr marL="72000" marR="72000" marT="36000" marB="36000">
-                    <a:noFill/>
-                  </a:tcPr>
-                </a:tc>
-                <a:tc>
-                  <a:txBody>
-                    <a:bodyPr/>
-                    <a:lstStyle/>
-                    <a:p>
-                      <a:r>
-                        <a:rPr lang="fr-CH" sz="1400" dirty="0"/>
-                        <a:t>La </a:t>
-                      </a:r>
-                      <a:r>
-                        <a:rPr lang="fr-CH" sz="1400" dirty="0" err="1"/>
-                        <a:t>Thielle</a:t>
-                      </a:r>
-                      <a:endParaRPr lang="fr-CH" sz="1400" dirty="0"/>
-                    </a:p>
-                  </a:txBody>
-                  <a:tcPr marL="72000" marR="72000" marT="36000" marB="36000">
-                    <a:noFill/>
-                  </a:tcPr>
-                </a:tc>
-                <a:extLst>
-                  <a:ext uri="{0D108BD9-81ED-4DB2-BD59-A6C34878D82A}">
-                    <a16:rowId xmlns:a16="http://schemas.microsoft.com/office/drawing/2014/main" val="10002"/>
-                  </a:ext>
-                </a:extLst>
-              </a:tr>
-              <a:tr h="637275">
-                <a:tc>
-                  <a:txBody>
-                    <a:bodyPr/>
-                    <a:lstStyle/>
-                    <a:p>
-                      <a:pPr marL="0" marR="0" indent="0" algn="l" defTabSz="914400" rtl="0" eaLnBrk="1" fontAlgn="auto" latinLnBrk="0" hangingPunct="1">
-                        <a:lnSpc>
-                          <a:spcPct val="100000"/>
-                        </a:lnSpc>
-                        <a:spcBef>
-                          <a:spcPts val="0"/>
-                        </a:spcBef>
-                        <a:spcAft>
-                          <a:spcPts val="0"/>
-                        </a:spcAft>
-                        <a:buClrTx/>
-                        <a:buSzTx/>
-                        <a:buFontTx/>
-                        <a:buNone/>
-                        <a:tabLst/>
-                        <a:defRPr/>
-                      </a:pPr>
-                      <a:r>
-                        <a:rPr lang="fr-CH" sz="1400" dirty="0"/>
-                        <a:t>Titre	:</a:t>
-                      </a:r>
-                      <a:endParaRPr lang="en-GB" sz="1400" b="0" kern="1200" dirty="0">
-                        <a:solidFill>
-                          <a:schemeClr val="tx1"/>
-                        </a:solidFill>
-                        <a:latin typeface="+mn-lt"/>
-                        <a:ea typeface="+mn-ea"/>
-                        <a:cs typeface="+mn-cs"/>
-                      </a:endParaRPr>
-                    </a:p>
-                  </a:txBody>
-                  <a:tcPr marL="72000" marR="72000" marT="36000" marB="36000">
-                    <a:noFill/>
-                  </a:tcPr>
-                </a:tc>
-                <a:tc>
-                  <a:txBody>
-                    <a:bodyPr/>
-                    <a:lstStyle/>
-                    <a:p>
-                      <a:r>
-                        <a:rPr lang="fr-CH" sz="1400" b="1" dirty="0"/>
-                        <a:t>Modélisation hydrologique 3D</a:t>
-                      </a:r>
-                      <a:endParaRPr lang="fr-CH" sz="1400" b="1" baseline="0" dirty="0"/>
-                    </a:p>
-                  </a:txBody>
-                  <a:tcPr marL="72000" marR="72000" marT="36000" marB="36000">
-                    <a:noFill/>
-                  </a:tcPr>
-                </a:tc>
-                <a:extLst>
-                  <a:ext uri="{0D108BD9-81ED-4DB2-BD59-A6C34878D82A}">
-                    <a16:rowId xmlns:a16="http://schemas.microsoft.com/office/drawing/2014/main" val="10003"/>
-                  </a:ext>
-                </a:extLst>
-              </a:tr>
-            </a:tbl>
-          </a:graphicData>
-        </a:graphic>
-      </p:graphicFrame>
       <p:pic>
         <p:nvPicPr>
-          <p:cNvPr id="11" name="Picture 10" descr="logogeolow"/>
+          <p:cNvPr id="12" name="Content Placeholder 11">
+            <a:extLst>
+              <a:ext uri="{FF2B5EF4-FFF2-40B4-BE49-F238E27FC236}">
+                <a16:creationId xmlns:a16="http://schemas.microsoft.com/office/drawing/2014/main" id="{B9FAA959-540D-4D58-9EE2-7652DA143D2A}"/>
+              </a:ext>
+            </a:extLst>
+          </p:cNvPr>
           <p:cNvPicPr>
-            <a:picLocks noChangeAspect="1" noChangeArrowheads="1"/>
+            <a:picLocks noGrp="1" noChangeAspect="1"/>
           </p:cNvPicPr>
-          <p:nvPr/>
+          <p:nvPr>
+            <p:ph sz="quarter" idx="10"/>
+          </p:nvPr>
         </p:nvPicPr>
         <p:blipFill>
-          <a:blip r:embed="rId2" cstate="print"/>
-          <a:srcRect/>
+          <a:blip r:embed="rId2"/>
           <a:stretch>
             <a:fillRect/>
           </a:stretch>
         </p:blipFill>
-        <p:spPr bwMode="auto">
-          <a:xfrm>
-            <a:off x="6516216" y="248186"/>
-            <a:ext cx="2425527" cy="660534"/>
-          </a:xfrm>
-          <a:prstGeom prst="rect">
-            <a:avLst/>
-          </a:prstGeom>
-          <a:noFill/>
-          <a:ln w="9525">
-            <a:noFill/>
-            <a:miter lim="800000"/>
-            <a:headEnd/>
-            <a:tailEnd/>
-          </a:ln>
-        </p:spPr>
-      </p:pic>
-      <p:pic>
-        <p:nvPicPr>
-          <p:cNvPr id="13" name="Picture 1"/>
-          <p:cNvPicPr>
-            <a:picLocks noChangeAspect="1" noChangeArrowheads="1"/>
-          </p:cNvPicPr>
-          <p:nvPr/>
-        </p:nvPicPr>
-        <p:blipFill>
-          <a:blip r:embed="rId3" cstate="print"/>
-          <a:srcRect l="29888" t="23803" r="56997" b="67766"/>
-          <a:stretch>
-            <a:fillRect/>
-          </a:stretch>
-        </p:blipFill>
-        <p:spPr bwMode="auto">
-          <a:xfrm>
-            <a:off x="6400800" y="2800155"/>
-            <a:ext cx="1604010" cy="798266"/>
-          </a:xfrm>
-          <a:prstGeom prst="rect">
-            <a:avLst/>
-          </a:prstGeom>
-          <a:noFill/>
-          <a:ln>
-            <a:noFill/>
-          </a:ln>
+        <p:spPr>
+          <a:xfrm>
+            <a:off x="135744" y="134938"/>
+            <a:ext cx="8878862" cy="6019800"/>
+          </a:xfrm>
+          <a:prstGeom prst="rect">
+            <a:avLst/>
+          </a:prstGeom>
         </p:spPr>
       </p:pic>
     </p:spTree>

--- a/prepro_concepts.pptx
+++ b/prepro_concepts.pptx
@@ -5,11 +5,12 @@
     <p:sldMasterId id="2147483648" r:id="rId1"/>
   </p:sldMasterIdLst>
   <p:notesMasterIdLst>
-    <p:notesMasterId r:id="rId4"/>
+    <p:notesMasterId r:id="rId5"/>
   </p:notesMasterIdLst>
   <p:sldIdLst>
     <p:sldId id="291" r:id="rId2"/>
-    <p:sldId id="294" r:id="rId3"/>
+    <p:sldId id="295" r:id="rId3"/>
+    <p:sldId id="294" r:id="rId4"/>
   </p:sldIdLst>
   <p:sldSz cx="9144000" cy="6858000" type="screen4x3"/>
   <p:notesSz cx="6858000" cy="9144000"/>
@@ -210,7 +211,7 @@
             <a:fld id="{3FBF535A-5D01-422B-B33C-D96946B05BB0}" type="datetimeFigureOut">
               <a:rPr lang="en-US" smtClean="0"/>
               <a:pPr/>
-              <a:t>1/12/2022</a:t>
+              <a:t>1/14/2022</a:t>
             </a:fld>
             <a:endParaRPr lang="en-US"/>
           </a:p>
@@ -2411,10 +2412,10 @@
       </p:grpSpPr>
       <p:pic>
         <p:nvPicPr>
-          <p:cNvPr id="12" name="Content Placeholder 11">
+          <p:cNvPr id="5" name="Content Placeholder 4">
             <a:extLst>
               <a:ext uri="{FF2B5EF4-FFF2-40B4-BE49-F238E27FC236}">
-                <a16:creationId xmlns:a16="http://schemas.microsoft.com/office/drawing/2014/main" id="{B9FAA959-540D-4D58-9EE2-7652DA143D2A}"/>
+                <a16:creationId xmlns:a16="http://schemas.microsoft.com/office/drawing/2014/main" id="{D13CC41D-C7E2-49AC-936F-D5670CB35C31}"/>
               </a:ext>
             </a:extLst>
           </p:cNvPr>
@@ -2436,9 +2437,6 @@
             <a:off x="135744" y="134938"/>
             <a:ext cx="8878862" cy="6019800"/>
           </a:xfrm>
-          <a:prstGeom prst="rect">
-            <a:avLst/>
-          </a:prstGeom>
         </p:spPr>
       </p:pic>
     </p:spTree>
@@ -2455,6 +2453,65 @@
 </file>
 
 <file path=ppt/slides/slide2.xml><?xml version="1.0" encoding="utf-8"?>
+<p:sld xmlns:a="http://schemas.openxmlformats.org/drawingml/2006/main" xmlns:r="http://schemas.openxmlformats.org/officeDocument/2006/relationships" xmlns:p="http://schemas.openxmlformats.org/presentationml/2006/main">
+  <p:cSld>
+    <p:spTree>
+      <p:nvGrpSpPr>
+        <p:cNvPr id="1" name=""/>
+        <p:cNvGrpSpPr/>
+        <p:nvPr/>
+      </p:nvGrpSpPr>
+      <p:grpSpPr>
+        <a:xfrm>
+          <a:off x="0" y="0"/>
+          <a:ext cx="0" cy="0"/>
+          <a:chOff x="0" y="0"/>
+          <a:chExt cx="0" cy="0"/>
+        </a:xfrm>
+      </p:grpSpPr>
+      <p:pic>
+        <p:nvPicPr>
+          <p:cNvPr id="4" name="Content Placeholder 3">
+            <a:extLst>
+              <a:ext uri="{FF2B5EF4-FFF2-40B4-BE49-F238E27FC236}">
+                <a16:creationId xmlns:a16="http://schemas.microsoft.com/office/drawing/2014/main" id="{B4B9BAD2-D662-4D97-8F97-F978FCB12C1E}"/>
+              </a:ext>
+            </a:extLst>
+          </p:cNvPr>
+          <p:cNvPicPr>
+            <a:picLocks noGrp="1" noChangeAspect="1"/>
+          </p:cNvPicPr>
+          <p:nvPr>
+            <p:ph sz="quarter" idx="10"/>
+          </p:nvPr>
+        </p:nvPicPr>
+        <p:blipFill>
+          <a:blip r:embed="rId2"/>
+          <a:stretch>
+            <a:fillRect/>
+          </a:stretch>
+        </p:blipFill>
+        <p:spPr>
+          <a:xfrm>
+            <a:off x="135744" y="134938"/>
+            <a:ext cx="8878862" cy="6019800"/>
+          </a:xfrm>
+        </p:spPr>
+      </p:pic>
+    </p:spTree>
+    <p:extLst>
+      <p:ext uri="{BB962C8B-B14F-4D97-AF65-F5344CB8AC3E}">
+        <p14:creationId xmlns:p14="http://schemas.microsoft.com/office/powerpoint/2010/main" val="3254161151"/>
+      </p:ext>
+    </p:extLst>
+  </p:cSld>
+  <p:clrMapOvr>
+    <a:masterClrMapping/>
+  </p:clrMapOvr>
+</p:sld>
+</file>
+
+<file path=ppt/slides/slide3.xml><?xml version="1.0" encoding="utf-8"?>
 <p:sld xmlns:a="http://schemas.openxmlformats.org/drawingml/2006/main" xmlns:r="http://schemas.openxmlformats.org/officeDocument/2006/relationships" xmlns:p="http://schemas.openxmlformats.org/presentationml/2006/main">
   <p:cSld>
     <p:spTree>
